--- a/ppt/TCC_v1.pptx
+++ b/ppt/TCC_v1.pptx
@@ -156,7 +156,7 @@
 <file path=ppt/revisionInfo.xml><?xml version="1.0" encoding="utf-8"?>
 <p1510:revInfo xmlns:a="http://schemas.openxmlformats.org/drawingml/2006/main" xmlns:r="http://schemas.openxmlformats.org/officeDocument/2006/relationships" xmlns:p1510="http://schemas.microsoft.com/office/powerpoint/2015/10/main">
   <p1510:revLst>
-    <p1510:client id="{2956399B-4065-4195-AABF-B887D821773A}" v="14" dt="2022-09-18T22:28:59.902"/>
+    <p1510:client id="{2956399B-4065-4195-AABF-B887D821773A}" v="17" dt="2022-09-26T22:43:02.225"/>
   </p1510:revLst>
 </p1510:revInfo>
 </file>
@@ -165,8 +165,8 @@
 <pc:chgInfo xmlns:a="http://schemas.openxmlformats.org/drawingml/2006/main" xmlns:r="http://schemas.openxmlformats.org/officeDocument/2006/relationships" xmlns:ac="http://schemas.microsoft.com/office/drawing/2013/main/command" xmlns:pc="http://schemas.microsoft.com/office/powerpoint/2013/main/command">
   <pc:docChgLst>
     <pc:chgData name="OFFICE365" userId="7ac96d60-a951-4f19-b3e1-144b9772ddf7" providerId="ADAL" clId="{2956399B-4065-4195-AABF-B887D821773A}"/>
-    <pc:docChg chg="undo custSel delSld modSld addSection delSection modSection">
-      <pc:chgData name="OFFICE365" userId="7ac96d60-a951-4f19-b3e1-144b9772ddf7" providerId="ADAL" clId="{2956399B-4065-4195-AABF-B887D821773A}" dt="2022-09-18T22:37:12.028" v="938" actId="20577"/>
+    <pc:docChg chg="undo custSel addSld delSld modSld addSection delSection modSection">
+      <pc:chgData name="OFFICE365" userId="7ac96d60-a951-4f19-b3e1-144b9772ddf7" providerId="ADAL" clId="{2956399B-4065-4195-AABF-B887D821773A}" dt="2022-09-26T22:43:42.649" v="1370" actId="20577"/>
       <pc:docMkLst>
         <pc:docMk/>
       </pc:docMkLst>
@@ -182,6 +182,36 @@
             <pc:docMk/>
             <pc:sldMk cId="3599752" sldId="257"/>
             <ac:spMk id="9" creationId="{DFCD4E80-B3C3-4C02-BE52-6A1E40E35098}"/>
+          </ac:spMkLst>
+        </pc:spChg>
+      </pc:sldChg>
+      <pc:sldChg chg="modSp mod">
+        <pc:chgData name="OFFICE365" userId="7ac96d60-a951-4f19-b3e1-144b9772ddf7" providerId="ADAL" clId="{2956399B-4065-4195-AABF-B887D821773A}" dt="2022-09-26T22:43:42.649" v="1370" actId="20577"/>
+        <pc:sldMkLst>
+          <pc:docMk/>
+          <pc:sldMk cId="0" sldId="267"/>
+        </pc:sldMkLst>
+        <pc:spChg chg="mod">
+          <ac:chgData name="OFFICE365" userId="7ac96d60-a951-4f19-b3e1-144b9772ddf7" providerId="ADAL" clId="{2956399B-4065-4195-AABF-B887D821773A}" dt="2022-09-26T22:43:42.649" v="1370" actId="20577"/>
+          <ac:spMkLst>
+            <pc:docMk/>
+            <pc:sldMk cId="0" sldId="267"/>
+            <ac:spMk id="64" creationId="{00000000-0000-0000-0000-000000000000}"/>
+          </ac:spMkLst>
+        </pc:spChg>
+      </pc:sldChg>
+      <pc:sldChg chg="modSp add del mod">
+        <pc:chgData name="OFFICE365" userId="7ac96d60-a951-4f19-b3e1-144b9772ddf7" providerId="ADAL" clId="{2956399B-4065-4195-AABF-B887D821773A}" dt="2022-09-26T22:43:04.638" v="1366" actId="20577"/>
+        <pc:sldMkLst>
+          <pc:docMk/>
+          <pc:sldMk cId="2296442677" sldId="268"/>
+        </pc:sldMkLst>
+        <pc:spChg chg="mod">
+          <ac:chgData name="OFFICE365" userId="7ac96d60-a951-4f19-b3e1-144b9772ddf7" providerId="ADAL" clId="{2956399B-4065-4195-AABF-B887D821773A}" dt="2022-09-26T22:43:04.638" v="1366" actId="20577"/>
+          <ac:spMkLst>
+            <pc:docMk/>
+            <pc:sldMk cId="2296442677" sldId="268"/>
+            <ac:spMk id="9" creationId="{CD75121F-BC5E-47EB-AF6B-71D035A5AA97}"/>
           </ac:spMkLst>
         </pc:spChg>
       </pc:sldChg>
@@ -6910,7 +6940,7 @@
             <a:fld id="{741C0E9A-CAF1-44BA-8C98-5BE835AC7B3C}" type="datetimeFigureOut">
               <a:rPr lang="pt-BR" smtClean="0"/>
               <a:pPr/>
-              <a:t>18/09/2022</a:t>
+              <a:t>26/09/2022</a:t>
             </a:fld>
             <a:endParaRPr lang="pt-BR" dirty="0"/>
           </a:p>
@@ -18339,7 +18369,7 @@
                 <a:cs typeface="Open Sans"/>
                 <a:sym typeface="Open Sans"/>
               </a:rPr>
-              <a:t>18/09/2022</a:t>
+              <a:t>26/09/2022</a:t>
             </a:r>
             <a:endParaRPr kern="0" dirty="0">
               <a:solidFill>
@@ -25620,8 +25650,8 @@
         </p:nvSpPr>
         <p:spPr>
           <a:xfrm>
-            <a:off x="3646800" y="1452000"/>
-            <a:ext cx="7200000" cy="523220"/>
+            <a:off x="3646800" y="981573"/>
+            <a:ext cx="7200000" cy="5693866"/>
           </a:xfrm>
           <a:prstGeom prst="rect">
             <a:avLst/>
@@ -25665,8 +25695,212 @@
                 <a:ea typeface="Open Sans" panose="020B0604020202020204" charset="0"/>
                 <a:cs typeface="Open Sans" panose="020B0604020202020204" charset="0"/>
               </a:rPr>
-              <a:t>https://interinvest.bancointer.com.br/analise/equity-research/inadimplencia-em-2022-e-seus-impactos-nos-bancos-e-fintechs</a:t>
-            </a:r>
+              <a:t>A inadimplência no pagamento de parcelas do cartão de crédito tem um impacto muito significativo no lucro de instituições financeiras e são uma das principais variáveis para o aumento ou recuo da taxa de juro mensal do rotativo.</a:t>
+            </a:r>
+          </a:p>
+          <a:p>
+            <a:pPr algn="l"/>
+            <a:r>
+              <a:rPr lang="pt-BR" sz="1400" dirty="0">
+                <a:solidFill>
+                  <a:srgbClr val="434343"/>
+                </a:solidFill>
+                <a:latin typeface="Open Sans" panose="020B0604020202020204" charset="0"/>
+                <a:ea typeface="Open Sans" panose="020B0604020202020204" charset="0"/>
+                <a:cs typeface="Open Sans" panose="020B0604020202020204" charset="0"/>
+              </a:rPr>
+              <a:t>Conforme análise de André Italo Rocha de jul/22 os balanços do primeiro trimestre deste ano – os últimos divulgados – já deixaram claro que existe uma tendência de piora em como os clientes reagem. A inadimplência está maior e deve continuar em alta.</a:t>
+            </a:r>
+          </a:p>
+          <a:p>
+            <a:pPr algn="l"/>
+            <a:r>
+              <a:rPr lang="pt-BR" sz="1400" dirty="0">
+                <a:solidFill>
+                  <a:srgbClr val="434343"/>
+                </a:solidFill>
+                <a:latin typeface="Open Sans" panose="020B0604020202020204" charset="0"/>
+                <a:ea typeface="Open Sans" panose="020B0604020202020204" charset="0"/>
+                <a:cs typeface="Open Sans" panose="020B0604020202020204" charset="0"/>
+              </a:rPr>
+              <a:t>Como consequência, os bancos têm sido mais conservadores, seja para conceder novos empréstimos e até para emitir mais cartões de crédito.</a:t>
+            </a:r>
+          </a:p>
+          <a:p>
+            <a:pPr algn="l"/>
+            <a:r>
+              <a:rPr lang="pt-BR" sz="1400" dirty="0">
+                <a:solidFill>
+                  <a:srgbClr val="434343"/>
+                </a:solidFill>
+                <a:latin typeface="Open Sans" panose="020B0604020202020204" charset="0"/>
+                <a:ea typeface="Open Sans" panose="020B0604020202020204" charset="0"/>
+                <a:cs typeface="Open Sans" panose="020B0604020202020204" charset="0"/>
+              </a:rPr>
+              <a:t>Fonte : </a:t>
+            </a:r>
+            <a:r>
+              <a:rPr lang="pt-BR" sz="1400" dirty="0">
+                <a:solidFill>
+                  <a:srgbClr val="434343"/>
+                </a:solidFill>
+                <a:latin typeface="Open Sans" panose="020B0604020202020204" charset="0"/>
+                <a:ea typeface="Open Sans" panose="020B0604020202020204" charset="0"/>
+                <a:cs typeface="Open Sans" panose="020B0604020202020204" charset="0"/>
+                <a:hlinkClick r:id="rId5"/>
+              </a:rPr>
+              <a:t>https://trademap.com.br/agencia/mercados/o-que-os-bancos-ganham-com-juros-compensa-o-que-perdem-com-inadimplencia</a:t>
+            </a:r>
+            <a:endParaRPr lang="pt-BR" sz="1400" dirty="0">
+              <a:solidFill>
+                <a:srgbClr val="434343"/>
+              </a:solidFill>
+              <a:latin typeface="Open Sans" panose="020B0604020202020204" charset="0"/>
+              <a:ea typeface="Open Sans" panose="020B0604020202020204" charset="0"/>
+              <a:cs typeface="Open Sans" panose="020B0604020202020204" charset="0"/>
+            </a:endParaRPr>
+          </a:p>
+          <a:p>
+            <a:pPr algn="l"/>
+            <a:endParaRPr lang="pt-BR" sz="1400" dirty="0">
+              <a:solidFill>
+                <a:srgbClr val="434343"/>
+              </a:solidFill>
+              <a:latin typeface="Open Sans" panose="020B0604020202020204" charset="0"/>
+              <a:ea typeface="Open Sans" panose="020B0604020202020204" charset="0"/>
+              <a:cs typeface="Open Sans" panose="020B0604020202020204" charset="0"/>
+            </a:endParaRPr>
+          </a:p>
+          <a:p>
+            <a:pPr algn="l"/>
+            <a:r>
+              <a:rPr lang="pt-BR" sz="1400" dirty="0">
+                <a:solidFill>
+                  <a:srgbClr val="434343"/>
+                </a:solidFill>
+                <a:latin typeface="Open Sans" panose="020B0604020202020204" charset="0"/>
+                <a:ea typeface="Open Sans" panose="020B0604020202020204" charset="0"/>
+                <a:cs typeface="Open Sans" panose="020B0604020202020204" charset="0"/>
+              </a:rPr>
+              <a:t>Vemos os efeitos da inadimplência também no Banco Inter onde No primeiro trimestre deste ano, a carteira de crédito para cartões foi a que mais cresceu, com avanço de 126%, para R$ 5,4 bilhões, enquanto a carteira total teve expansão de 81%, para R$ 19,8 bilhões.</a:t>
+            </a:r>
+          </a:p>
+          <a:p>
+            <a:pPr algn="l"/>
+            <a:r>
+              <a:rPr lang="pt-BR" sz="1400" dirty="0">
+                <a:solidFill>
+                  <a:srgbClr val="434343"/>
+                </a:solidFill>
+                <a:latin typeface="Open Sans" panose="020B0604020202020204" charset="0"/>
+                <a:ea typeface="Open Sans" panose="020B0604020202020204" charset="0"/>
+                <a:cs typeface="Open Sans" panose="020B0604020202020204" charset="0"/>
+              </a:rPr>
+              <a:t>Por outro lado, o cartão de crédito foi, no primeiro trimestre, o produto que mais viu a inadimplência avançar em relação aos primeiros três meses do ano passado, de 4,3% para 6,6% — aumento superior ao crescimento visto na inadimplência geral do banco, que saiu de 2,6% para 3,3%.</a:t>
+            </a:r>
+          </a:p>
+          <a:p>
+            <a:pPr algn="l"/>
+            <a:r>
+              <a:rPr lang="pt-BR" sz="1400" dirty="0">
+                <a:solidFill>
+                  <a:srgbClr val="434343"/>
+                </a:solidFill>
+                <a:latin typeface="Open Sans" panose="020B0604020202020204" charset="0"/>
+                <a:ea typeface="Open Sans" panose="020B0604020202020204" charset="0"/>
+                <a:cs typeface="Open Sans" panose="020B0604020202020204" charset="0"/>
+              </a:rPr>
+              <a:t>Fonte: </a:t>
+            </a:r>
+            <a:r>
+              <a:rPr lang="pt-BR" sz="1400" dirty="0">
+                <a:solidFill>
+                  <a:srgbClr val="434343"/>
+                </a:solidFill>
+                <a:latin typeface="Open Sans" panose="020B0604020202020204" charset="0"/>
+                <a:ea typeface="Open Sans" panose="020B0604020202020204" charset="0"/>
+                <a:cs typeface="Open Sans" panose="020B0604020202020204" charset="0"/>
+                <a:hlinkClick r:id="rId6"/>
+              </a:rPr>
+              <a:t>https://trademap.com.br/agencia/mercados/inadimplencia-faz-inter-bidi11-pisar-no-freio-em-cartao-de-credito-e-carteira-perdera-ritmo</a:t>
+            </a:r>
+            <a:r>
+              <a:rPr lang="pt-BR" sz="1400" dirty="0">
+                <a:solidFill>
+                  <a:srgbClr val="434343"/>
+                </a:solidFill>
+                <a:latin typeface="Open Sans" panose="020B0604020202020204" charset="0"/>
+                <a:ea typeface="Open Sans" panose="020B0604020202020204" charset="0"/>
+                <a:cs typeface="Open Sans" panose="020B0604020202020204" charset="0"/>
+              </a:rPr>
+              <a:t>.</a:t>
+            </a:r>
+          </a:p>
+          <a:p>
+            <a:pPr algn="l"/>
+            <a:endParaRPr lang="pt-BR" sz="1400" dirty="0">
+              <a:solidFill>
+                <a:srgbClr val="434343"/>
+              </a:solidFill>
+              <a:latin typeface="Open Sans" panose="020B0604020202020204" charset="0"/>
+              <a:ea typeface="Open Sans" panose="020B0604020202020204" charset="0"/>
+              <a:cs typeface="Open Sans" panose="020B0604020202020204" charset="0"/>
+            </a:endParaRPr>
+          </a:p>
+          <a:p>
+            <a:pPr algn="l"/>
+            <a:endParaRPr lang="pt-BR" sz="1400" dirty="0">
+              <a:solidFill>
+                <a:srgbClr val="434343"/>
+              </a:solidFill>
+              <a:latin typeface="Open Sans" panose="020B0604020202020204" charset="0"/>
+              <a:ea typeface="Open Sans" panose="020B0604020202020204" charset="0"/>
+              <a:cs typeface="Open Sans" panose="020B0604020202020204" charset="0"/>
+            </a:endParaRPr>
+          </a:p>
+          <a:p>
+            <a:pPr algn="l"/>
+            <a:endParaRPr lang="pt-BR" sz="1400" dirty="0">
+              <a:solidFill>
+                <a:srgbClr val="434343"/>
+              </a:solidFill>
+              <a:latin typeface="Open Sans" panose="020B0604020202020204" charset="0"/>
+              <a:ea typeface="Open Sans" panose="020B0604020202020204" charset="0"/>
+              <a:cs typeface="Open Sans" panose="020B0604020202020204" charset="0"/>
+            </a:endParaRPr>
+          </a:p>
+          <a:p>
+            <a:pPr marL="0" marR="0" lvl="0" indent="0" algn="just" defTabSz="914400" rtl="0" eaLnBrk="1" fontAlgn="auto" latinLnBrk="0" hangingPunct="1">
+              <a:lnSpc>
+                <a:spcPct val="100000"/>
+              </a:lnSpc>
+              <a:spcBef>
+                <a:spcPts val="0"/>
+              </a:spcBef>
+              <a:spcAft>
+                <a:spcPts val="0"/>
+              </a:spcAft>
+              <a:buClrTx/>
+              <a:buSzTx/>
+              <a:buFontTx/>
+              <a:buNone/>
+              <a:tabLst/>
+              <a:defRPr/>
+            </a:pPr>
+            <a:endParaRPr kumimoji="0" lang="pt-BR" sz="1400" b="0" i="0" u="none" strike="noStrike" kern="1200" cap="none" spc="0" normalizeH="0" baseline="0" noProof="0" dirty="0">
+              <a:ln>
+                <a:noFill/>
+              </a:ln>
+              <a:solidFill>
+                <a:srgbClr val="434343"/>
+              </a:solidFill>
+              <a:effectLst/>
+              <a:uLnTx/>
+              <a:uFillTx/>
+              <a:latin typeface="Open Sans" panose="020B0604020202020204" charset="0"/>
+              <a:ea typeface="Open Sans" panose="020B0604020202020204" charset="0"/>
+              <a:cs typeface="Open Sans" panose="020B0604020202020204" charset="0"/>
+            </a:endParaRPr>
           </a:p>
         </p:txBody>
       </p:sp>
